--- a/images/experiments/PAINS.pptx
+++ b/images/experiments/PAINS.pptx
@@ -172,7 +172,7 @@
                   <c:v>Gleichheit</c:v>
                 </c:pt>
                 <c:pt idx="1">
-                  <c:v>Schitt</c:v>
+                  <c:v>Schnitt</c:v>
                 </c:pt>
                 <c:pt idx="2">
                   <c:v>Untermenge</c:v>
@@ -234,7 +234,7 @@
                   <c:v>Gleichheit</c:v>
                 </c:pt>
                 <c:pt idx="1">
-                  <c:v>Schitt</c:v>
+                  <c:v>Schnitt</c:v>
                 </c:pt>
                 <c:pt idx="2">
                   <c:v>Untermenge</c:v>
@@ -296,7 +296,7 @@
                   <c:v>Gleichheit</c:v>
                 </c:pt>
                 <c:pt idx="1">
-                  <c:v>Schitt</c:v>
+                  <c:v>Schnitt</c:v>
                 </c:pt>
                 <c:pt idx="2">
                   <c:v>Untermenge</c:v>
@@ -358,7 +358,7 @@
                   <c:v>Gleichheit</c:v>
                 </c:pt>
                 <c:pt idx="1">
-                  <c:v>Schitt</c:v>
+                  <c:v>Schnitt</c:v>
                 </c:pt>
                 <c:pt idx="2">
                   <c:v>Untermenge</c:v>
@@ -420,7 +420,7 @@
                   <c:v>Gleichheit</c:v>
                 </c:pt>
                 <c:pt idx="1">
-                  <c:v>Schitt</c:v>
+                  <c:v>Schnitt</c:v>
                 </c:pt>
                 <c:pt idx="2">
                   <c:v>Untermenge</c:v>
@@ -482,7 +482,7 @@
                   <c:v>Gleichheit</c:v>
                 </c:pt>
                 <c:pt idx="1">
-                  <c:v>Schitt</c:v>
+                  <c:v>Schnitt</c:v>
                 </c:pt>
                 <c:pt idx="2">
                   <c:v>Untermenge</c:v>
@@ -546,7 +546,7 @@
                   <c:v>Gleichheit</c:v>
                 </c:pt>
                 <c:pt idx="1">
-                  <c:v>Schitt</c:v>
+                  <c:v>Schnitt</c:v>
                 </c:pt>
                 <c:pt idx="2">
                   <c:v>Untermenge</c:v>
@@ -589,11 +589,11 @@
         </c:dLbls>
         <c:gapWidth val="150"/>
         <c:overlap val="100"/>
-        <c:axId val="2130787880"/>
-        <c:axId val="2124363448"/>
+        <c:axId val="2137403768"/>
+        <c:axId val="2137406536"/>
       </c:barChart>
       <c:catAx>
-        <c:axId val="2130787880"/>
+        <c:axId val="2137403768"/>
         <c:scaling>
           <c:orientation val="minMax"/>
         </c:scaling>
@@ -602,7 +602,7 @@
         <c:majorTickMark val="out"/>
         <c:minorTickMark val="none"/>
         <c:tickLblPos val="nextTo"/>
-        <c:crossAx val="2124363448"/>
+        <c:crossAx val="2137406536"/>
         <c:crosses val="autoZero"/>
         <c:auto val="1"/>
         <c:lblAlgn val="ctr"/>
@@ -610,7 +610,7 @@
         <c:noMultiLvlLbl val="0"/>
       </c:catAx>
       <c:valAx>
-        <c:axId val="2124363448"/>
+        <c:axId val="2137406536"/>
         <c:scaling>
           <c:orientation val="minMax"/>
         </c:scaling>
@@ -621,7 +621,7 @@
         <c:majorTickMark val="out"/>
         <c:minorTickMark val="none"/>
         <c:tickLblPos val="nextTo"/>
-        <c:crossAx val="2130787880"/>
+        <c:crossAx val="2137403768"/>
         <c:crosses val="autoZero"/>
         <c:crossBetween val="between"/>
       </c:valAx>
@@ -827,7 +827,7 @@
           <a:p>
             <a:fld id="{A972536A-5780-CD44-AC5B-9A18C78526C7}" type="datetimeFigureOut">
               <a:rPr lang="de-DE" smtClean="0"/>
-              <a:t>18.10.15</a:t>
+              <a:t>27.10.15</a:t>
             </a:fld>
             <a:endParaRPr lang="de-DE"/>
           </a:p>
@@ -997,7 +997,7 @@
           <a:p>
             <a:fld id="{A972536A-5780-CD44-AC5B-9A18C78526C7}" type="datetimeFigureOut">
               <a:rPr lang="de-DE" smtClean="0"/>
-              <a:t>18.10.15</a:t>
+              <a:t>27.10.15</a:t>
             </a:fld>
             <a:endParaRPr lang="de-DE"/>
           </a:p>
@@ -1177,7 +1177,7 @@
           <a:p>
             <a:fld id="{A972536A-5780-CD44-AC5B-9A18C78526C7}" type="datetimeFigureOut">
               <a:rPr lang="de-DE" smtClean="0"/>
-              <a:t>18.10.15</a:t>
+              <a:t>27.10.15</a:t>
             </a:fld>
             <a:endParaRPr lang="de-DE"/>
           </a:p>
@@ -1347,7 +1347,7 @@
           <a:p>
             <a:fld id="{A972536A-5780-CD44-AC5B-9A18C78526C7}" type="datetimeFigureOut">
               <a:rPr lang="de-DE" smtClean="0"/>
-              <a:t>18.10.15</a:t>
+              <a:t>27.10.15</a:t>
             </a:fld>
             <a:endParaRPr lang="de-DE"/>
           </a:p>
@@ -1593,7 +1593,7 @@
           <a:p>
             <a:fld id="{A972536A-5780-CD44-AC5B-9A18C78526C7}" type="datetimeFigureOut">
               <a:rPr lang="de-DE" smtClean="0"/>
-              <a:t>18.10.15</a:t>
+              <a:t>27.10.15</a:t>
             </a:fld>
             <a:endParaRPr lang="de-DE"/>
           </a:p>
@@ -1881,7 +1881,7 @@
           <a:p>
             <a:fld id="{A972536A-5780-CD44-AC5B-9A18C78526C7}" type="datetimeFigureOut">
               <a:rPr lang="de-DE" smtClean="0"/>
-              <a:t>18.10.15</a:t>
+              <a:t>27.10.15</a:t>
             </a:fld>
             <a:endParaRPr lang="de-DE"/>
           </a:p>
@@ -2308,7 +2308,7 @@
           <a:p>
             <a:fld id="{A972536A-5780-CD44-AC5B-9A18C78526C7}" type="datetimeFigureOut">
               <a:rPr lang="de-DE" smtClean="0"/>
-              <a:t>18.10.15</a:t>
+              <a:t>27.10.15</a:t>
             </a:fld>
             <a:endParaRPr lang="de-DE"/>
           </a:p>
@@ -2426,7 +2426,7 @@
           <a:p>
             <a:fld id="{A972536A-5780-CD44-AC5B-9A18C78526C7}" type="datetimeFigureOut">
               <a:rPr lang="de-DE" smtClean="0"/>
-              <a:t>18.10.15</a:t>
+              <a:t>27.10.15</a:t>
             </a:fld>
             <a:endParaRPr lang="de-DE"/>
           </a:p>
@@ -2521,7 +2521,7 @@
           <a:p>
             <a:fld id="{A972536A-5780-CD44-AC5B-9A18C78526C7}" type="datetimeFigureOut">
               <a:rPr lang="de-DE" smtClean="0"/>
-              <a:t>18.10.15</a:t>
+              <a:t>27.10.15</a:t>
             </a:fld>
             <a:endParaRPr lang="de-DE"/>
           </a:p>
@@ -2798,7 +2798,7 @@
           <a:p>
             <a:fld id="{A972536A-5780-CD44-AC5B-9A18C78526C7}" type="datetimeFigureOut">
               <a:rPr lang="de-DE" smtClean="0"/>
-              <a:t>18.10.15</a:t>
+              <a:t>27.10.15</a:t>
             </a:fld>
             <a:endParaRPr lang="de-DE"/>
           </a:p>
@@ -3051,7 +3051,7 @@
           <a:p>
             <a:fld id="{A972536A-5780-CD44-AC5B-9A18C78526C7}" type="datetimeFigureOut">
               <a:rPr lang="de-DE" smtClean="0"/>
-              <a:t>18.10.15</a:t>
+              <a:t>27.10.15</a:t>
             </a:fld>
             <a:endParaRPr lang="de-DE"/>
           </a:p>
@@ -3264,7 +3264,7 @@
           <a:p>
             <a:fld id="{A972536A-5780-CD44-AC5B-9A18C78526C7}" type="datetimeFigureOut">
               <a:rPr lang="de-DE" smtClean="0"/>
-              <a:t>18.10.15</a:t>
+              <a:t>27.10.15</a:t>
             </a:fld>
             <a:endParaRPr lang="de-DE"/>
           </a:p>
@@ -3646,7 +3646,7 @@
           <p:nvPr>
             <p:extLst>
               <p:ext uri="{D42A27DB-BD31-4B8C-83A1-F6EECF244321}">
-                <p14:modId xmlns:p14="http://schemas.microsoft.com/office/powerpoint/2010/main" val="512326507"/>
+                <p14:modId xmlns:p14="http://schemas.microsoft.com/office/powerpoint/2010/main" val="3045009642"/>
               </p:ext>
             </p:extLst>
           </p:nvPr>
